--- a/Testing.pptx
+++ b/Testing.pptx
@@ -198,7 +198,7 @@
           <a:p>
             <a:fld id="{3E379720-B9A6-8A41-9192-2B03687BE506}" type="datetimeFigureOut">
               <a:rPr lang="en-US" smtClean="0"/>
-              <a:t>3/16/15</a:t>
+              <a:t>3/23/15</a:t>
             </a:fld>
             <a:endParaRPr lang="en-US"/>
           </a:p>
@@ -731,7 +731,7 @@
           <a:p>
             <a:fld id="{8FBFFFE6-F9E4-0E43-BF3A-BC8E759ACF69}" type="datetimeFigureOut">
               <a:rPr lang="en-US" smtClean="0"/>
-              <a:t>3/16/15</a:t>
+              <a:t>3/23/15</a:t>
             </a:fld>
             <a:endParaRPr lang="en-US"/>
           </a:p>
@@ -901,7 +901,7 @@
           <a:p>
             <a:fld id="{8FBFFFE6-F9E4-0E43-BF3A-BC8E759ACF69}" type="datetimeFigureOut">
               <a:rPr lang="en-US" smtClean="0"/>
-              <a:t>3/16/15</a:t>
+              <a:t>3/23/15</a:t>
             </a:fld>
             <a:endParaRPr lang="en-US"/>
           </a:p>
@@ -1081,7 +1081,7 @@
           <a:p>
             <a:fld id="{8FBFFFE6-F9E4-0E43-BF3A-BC8E759ACF69}" type="datetimeFigureOut">
               <a:rPr lang="en-US" smtClean="0"/>
-              <a:t>3/16/15</a:t>
+              <a:t>3/23/15</a:t>
             </a:fld>
             <a:endParaRPr lang="en-US"/>
           </a:p>
@@ -1251,7 +1251,7 @@
           <a:p>
             <a:fld id="{8FBFFFE6-F9E4-0E43-BF3A-BC8E759ACF69}" type="datetimeFigureOut">
               <a:rPr lang="en-US" smtClean="0"/>
-              <a:t>3/16/15</a:t>
+              <a:t>3/23/15</a:t>
             </a:fld>
             <a:endParaRPr lang="en-US"/>
           </a:p>
@@ -1497,7 +1497,7 @@
           <a:p>
             <a:fld id="{8FBFFFE6-F9E4-0E43-BF3A-BC8E759ACF69}" type="datetimeFigureOut">
               <a:rPr lang="en-US" smtClean="0"/>
-              <a:t>3/16/15</a:t>
+              <a:t>3/23/15</a:t>
             </a:fld>
             <a:endParaRPr lang="en-US"/>
           </a:p>
@@ -1785,7 +1785,7 @@
           <a:p>
             <a:fld id="{8FBFFFE6-F9E4-0E43-BF3A-BC8E759ACF69}" type="datetimeFigureOut">
               <a:rPr lang="en-US" smtClean="0"/>
-              <a:t>3/16/15</a:t>
+              <a:t>3/23/15</a:t>
             </a:fld>
             <a:endParaRPr lang="en-US"/>
           </a:p>
@@ -2207,7 +2207,7 @@
           <a:p>
             <a:fld id="{8FBFFFE6-F9E4-0E43-BF3A-BC8E759ACF69}" type="datetimeFigureOut">
               <a:rPr lang="en-US" smtClean="0"/>
-              <a:t>3/16/15</a:t>
+              <a:t>3/23/15</a:t>
             </a:fld>
             <a:endParaRPr lang="en-US"/>
           </a:p>
@@ -2325,7 +2325,7 @@
           <a:p>
             <a:fld id="{8FBFFFE6-F9E4-0E43-BF3A-BC8E759ACF69}" type="datetimeFigureOut">
               <a:rPr lang="en-US" smtClean="0"/>
-              <a:t>3/16/15</a:t>
+              <a:t>3/23/15</a:t>
             </a:fld>
             <a:endParaRPr lang="en-US"/>
           </a:p>
@@ -2420,7 +2420,7 @@
           <a:p>
             <a:fld id="{8FBFFFE6-F9E4-0E43-BF3A-BC8E759ACF69}" type="datetimeFigureOut">
               <a:rPr lang="en-US" smtClean="0"/>
-              <a:t>3/16/15</a:t>
+              <a:t>3/23/15</a:t>
             </a:fld>
             <a:endParaRPr lang="en-US"/>
           </a:p>
@@ -2697,7 +2697,7 @@
           <a:p>
             <a:fld id="{8FBFFFE6-F9E4-0E43-BF3A-BC8E759ACF69}" type="datetimeFigureOut">
               <a:rPr lang="en-US" smtClean="0"/>
-              <a:t>3/16/15</a:t>
+              <a:t>3/23/15</a:t>
             </a:fld>
             <a:endParaRPr lang="en-US"/>
           </a:p>
@@ -2950,7 +2950,7 @@
           <a:p>
             <a:fld id="{8FBFFFE6-F9E4-0E43-BF3A-BC8E759ACF69}" type="datetimeFigureOut">
               <a:rPr lang="en-US" smtClean="0"/>
-              <a:t>3/16/15</a:t>
+              <a:t>3/23/15</a:t>
             </a:fld>
             <a:endParaRPr lang="en-US"/>
           </a:p>
@@ -3163,7 +3163,7 @@
           <a:p>
             <a:fld id="{8FBFFFE6-F9E4-0E43-BF3A-BC8E759ACF69}" type="datetimeFigureOut">
               <a:rPr lang="en-US" smtClean="0"/>
-              <a:t>3/16/15</a:t>
+              <a:t>3/23/15</a:t>
             </a:fld>
             <a:endParaRPr lang="en-US"/>
           </a:p>
@@ -6344,7 +6344,6 @@
               <a:rPr lang="en-US" dirty="0"/>
               <a:t>Acceptance testing</a:t>
             </a:r>
-            <a:endParaRPr lang="en-US" dirty="0"/>
           </a:p>
         </p:txBody>
       </p:sp>
@@ -6857,7 +6856,11 @@
             <a:pPr algn="ctr"/>
             <a:r>
               <a:rPr lang="en-US" sz="1200" dirty="0" smtClean="0"/>
-              <a:t>Acceptance test suite v1.1</a:t>
+              <a:t>Test </a:t>
+            </a:r>
+            <a:r>
+              <a:rPr lang="en-US" sz="1200" dirty="0" smtClean="0"/>
+              <a:t>suite v1.1</a:t>
             </a:r>
             <a:endParaRPr lang="en-US" sz="1200" dirty="0"/>
           </a:p>
@@ -6978,7 +6981,11 @@
             <a:pPr algn="ctr"/>
             <a:r>
               <a:rPr lang="en-US" sz="1200" dirty="0" smtClean="0"/>
-              <a:t>Acceptance test suite v1.2</a:t>
+              <a:t>Test </a:t>
+            </a:r>
+            <a:r>
+              <a:rPr lang="en-US" sz="1200" dirty="0" smtClean="0"/>
+              <a:t>suite v1.2</a:t>
             </a:r>
             <a:endParaRPr lang="en-US" sz="1200" dirty="0"/>
           </a:p>
@@ -7062,7 +7069,11 @@
             <a:pPr algn="ctr"/>
             <a:r>
               <a:rPr lang="en-US" sz="1200" dirty="0" smtClean="0"/>
-              <a:t>Acceptance test suite v1.3</a:t>
+              <a:t>Test </a:t>
+            </a:r>
+            <a:r>
+              <a:rPr lang="en-US" sz="1200" dirty="0" smtClean="0"/>
+              <a:t>suite v1.3</a:t>
             </a:r>
             <a:endParaRPr lang="en-US" sz="1200" dirty="0"/>
           </a:p>
